--- a/knowledge.pptx
+++ b/knowledge.pptx
@@ -105,6 +105,11 @@
       </a:defRPr>
     </a:lvl9pPr>
   </p:defaultTextStyle>
+  <p:extLst>
+    <p:ext uri="{EFAFB233-063F-42B5-8137-9DF3F51BA10A}">
+      <p15:sldGuideLst xmlns:p15="http://schemas.microsoft.com/office/powerpoint/2012/main"/>
+    </p:ext>
+  </p:extLst>
 </p:presentation>
 </file>
 
@@ -2973,7 +2978,7 @@
         </p:nvSpPr>
         <p:spPr>
           <a:xfrm>
-            <a:off x="3502325" y="276046"/>
+            <a:off x="4339087" y="319178"/>
             <a:ext cx="2035833" cy="491705"/>
           </a:xfrm>
           <a:prstGeom prst="roundRect">
@@ -3029,7 +3034,7 @@
         </p:nvSpPr>
         <p:spPr>
           <a:xfrm>
-            <a:off x="3502325" y="1518250"/>
+            <a:off x="4339087" y="1561382"/>
             <a:ext cx="2035833" cy="491705"/>
           </a:xfrm>
           <a:prstGeom prst="roundRect">
@@ -3087,7 +3092,7 @@
         </p:nvSpPr>
         <p:spPr>
           <a:xfrm>
-            <a:off x="6116129" y="2337760"/>
+            <a:off x="6952891" y="2380892"/>
             <a:ext cx="2035833" cy="491705"/>
           </a:xfrm>
           <a:prstGeom prst="roundRect">
@@ -3148,7 +3153,7 @@
         </p:nvSpPr>
         <p:spPr>
           <a:xfrm>
-            <a:off x="6116129" y="3183149"/>
+            <a:off x="6952891" y="3226281"/>
             <a:ext cx="2035833" cy="491705"/>
           </a:xfrm>
           <a:prstGeom prst="roundRect">
@@ -3209,7 +3214,7 @@
         </p:nvSpPr>
         <p:spPr>
           <a:xfrm>
-            <a:off x="3502325" y="4063043"/>
+            <a:off x="4339087" y="4106175"/>
             <a:ext cx="2035833" cy="491705"/>
           </a:xfrm>
           <a:prstGeom prst="roundRect">
@@ -3267,7 +3272,7 @@
         </p:nvSpPr>
         <p:spPr>
           <a:xfrm>
-            <a:off x="3502324" y="5132719"/>
+            <a:off x="4339086" y="5175851"/>
             <a:ext cx="2035833" cy="491705"/>
           </a:xfrm>
           <a:prstGeom prst="roundRect">
@@ -3315,6 +3320,297 @@
           </a:p>
         </p:txBody>
       </p:sp>
+      <p:cxnSp>
+        <p:nvCxnSpPr>
+          <p:cNvPr id="3" name="Straight Arrow Connector 2"/>
+          <p:cNvCxnSpPr>
+            <a:stCxn id="5" idx="2"/>
+            <a:endCxn id="6" idx="0"/>
+          </p:cNvCxnSpPr>
+          <p:nvPr/>
+        </p:nvCxnSpPr>
+        <p:spPr>
+          <a:xfrm>
+            <a:off x="5357004" y="810883"/>
+            <a:ext cx="0" cy="750499"/>
+          </a:xfrm>
+          <a:prstGeom prst="straightConnector1">
+            <a:avLst/>
+          </a:prstGeom>
+          <a:ln>
+            <a:tailEnd type="triangle"/>
+          </a:ln>
+        </p:spPr>
+        <p:style>
+          <a:lnRef idx="1">
+            <a:schemeClr val="accent1"/>
+          </a:lnRef>
+          <a:fillRef idx="0">
+            <a:schemeClr val="accent1"/>
+          </a:fillRef>
+          <a:effectRef idx="0">
+            <a:schemeClr val="accent1"/>
+          </a:effectRef>
+          <a:fontRef idx="minor">
+            <a:schemeClr val="tx1"/>
+          </a:fontRef>
+        </p:style>
+      </p:cxnSp>
+      <p:cxnSp>
+        <p:nvCxnSpPr>
+          <p:cNvPr id="16" name="Elbow Connector 15"/>
+          <p:cNvCxnSpPr>
+            <a:stCxn id="6" idx="3"/>
+            <a:endCxn id="7" idx="0"/>
+          </p:cNvCxnSpPr>
+          <p:nvPr/>
+        </p:nvCxnSpPr>
+        <p:spPr>
+          <a:xfrm>
+            <a:off x="6374920" y="1807235"/>
+            <a:ext cx="1595888" cy="573657"/>
+          </a:xfrm>
+          <a:prstGeom prst="bentConnector2">
+            <a:avLst/>
+          </a:prstGeom>
+          <a:ln>
+            <a:tailEnd type="triangle"/>
+          </a:ln>
+        </p:spPr>
+        <p:style>
+          <a:lnRef idx="1">
+            <a:schemeClr val="accent1"/>
+          </a:lnRef>
+          <a:fillRef idx="0">
+            <a:schemeClr val="accent1"/>
+          </a:fillRef>
+          <a:effectRef idx="0">
+            <a:schemeClr val="accent1"/>
+          </a:effectRef>
+          <a:fontRef idx="minor">
+            <a:schemeClr val="tx1"/>
+          </a:fontRef>
+        </p:style>
+      </p:cxnSp>
+      <p:cxnSp>
+        <p:nvCxnSpPr>
+          <p:cNvPr id="18" name="Straight Arrow Connector 17"/>
+          <p:cNvCxnSpPr>
+            <a:stCxn id="7" idx="2"/>
+            <a:endCxn id="8" idx="0"/>
+          </p:cNvCxnSpPr>
+          <p:nvPr/>
+        </p:nvCxnSpPr>
+        <p:spPr>
+          <a:xfrm>
+            <a:off x="7970808" y="2872597"/>
+            <a:ext cx="0" cy="353684"/>
+          </a:xfrm>
+          <a:prstGeom prst="straightConnector1">
+            <a:avLst/>
+          </a:prstGeom>
+          <a:ln>
+            <a:tailEnd type="triangle"/>
+          </a:ln>
+        </p:spPr>
+        <p:style>
+          <a:lnRef idx="1">
+            <a:schemeClr val="accent1"/>
+          </a:lnRef>
+          <a:fillRef idx="0">
+            <a:schemeClr val="accent1"/>
+          </a:fillRef>
+          <a:effectRef idx="0">
+            <a:schemeClr val="accent1"/>
+          </a:effectRef>
+          <a:fontRef idx="minor">
+            <a:schemeClr val="tx1"/>
+          </a:fontRef>
+        </p:style>
+      </p:cxnSp>
+      <p:cxnSp>
+        <p:nvCxnSpPr>
+          <p:cNvPr id="20" name="Elbow Connector 19"/>
+          <p:cNvCxnSpPr>
+            <a:stCxn id="8" idx="2"/>
+            <a:endCxn id="9" idx="3"/>
+          </p:cNvCxnSpPr>
+          <p:nvPr/>
+        </p:nvCxnSpPr>
+        <p:spPr>
+          <a:xfrm rot="5400000">
+            <a:off x="6855843" y="3237063"/>
+            <a:ext cx="634042" cy="1595888"/>
+          </a:xfrm>
+          <a:prstGeom prst="bentConnector2">
+            <a:avLst/>
+          </a:prstGeom>
+          <a:ln>
+            <a:tailEnd type="triangle"/>
+          </a:ln>
+        </p:spPr>
+        <p:style>
+          <a:lnRef idx="1">
+            <a:schemeClr val="accent1"/>
+          </a:lnRef>
+          <a:fillRef idx="0">
+            <a:schemeClr val="accent1"/>
+          </a:fillRef>
+          <a:effectRef idx="0">
+            <a:schemeClr val="accent1"/>
+          </a:effectRef>
+          <a:fontRef idx="minor">
+            <a:schemeClr val="tx1"/>
+          </a:fontRef>
+        </p:style>
+      </p:cxnSp>
+      <p:cxnSp>
+        <p:nvCxnSpPr>
+          <p:cNvPr id="22" name="Elbow Connector 21"/>
+          <p:cNvCxnSpPr>
+            <a:stCxn id="10" idx="1"/>
+            <a:endCxn id="6" idx="1"/>
+          </p:cNvCxnSpPr>
+          <p:nvPr/>
+        </p:nvCxnSpPr>
+        <p:spPr>
+          <a:xfrm rot="10800000" flipH="1">
+            <a:off x="4339085" y="1807236"/>
+            <a:ext cx="1" cy="3614469"/>
+          </a:xfrm>
+          <a:prstGeom prst="bentConnector3">
+            <a:avLst>
+              <a:gd name="adj1" fmla="val -22860000000"/>
+            </a:avLst>
+          </a:prstGeom>
+          <a:ln>
+            <a:tailEnd type="triangle"/>
+          </a:ln>
+        </p:spPr>
+        <p:style>
+          <a:lnRef idx="1">
+            <a:schemeClr val="accent1"/>
+          </a:lnRef>
+          <a:fillRef idx="0">
+            <a:schemeClr val="accent1"/>
+          </a:fillRef>
+          <a:effectRef idx="0">
+            <a:schemeClr val="accent1"/>
+          </a:effectRef>
+          <a:fontRef idx="minor">
+            <a:schemeClr val="tx1"/>
+          </a:fontRef>
+        </p:style>
+      </p:cxnSp>
+      <p:cxnSp>
+        <p:nvCxnSpPr>
+          <p:cNvPr id="31" name="Straight Arrow Connector 30"/>
+          <p:cNvCxnSpPr>
+            <a:stCxn id="9" idx="2"/>
+            <a:endCxn id="10" idx="0"/>
+          </p:cNvCxnSpPr>
+          <p:nvPr/>
+        </p:nvCxnSpPr>
+        <p:spPr>
+          <a:xfrm flipH="1">
+            <a:off x="5357003" y="4597880"/>
+            <a:ext cx="1" cy="577971"/>
+          </a:xfrm>
+          <a:prstGeom prst="straightConnector1">
+            <a:avLst/>
+          </a:prstGeom>
+          <a:ln>
+            <a:tailEnd type="triangle"/>
+          </a:ln>
+        </p:spPr>
+        <p:style>
+          <a:lnRef idx="1">
+            <a:schemeClr val="accent1"/>
+          </a:lnRef>
+          <a:fillRef idx="0">
+            <a:schemeClr val="accent1"/>
+          </a:fillRef>
+          <a:effectRef idx="0">
+            <a:schemeClr val="accent1"/>
+          </a:effectRef>
+          <a:fontRef idx="minor">
+            <a:schemeClr val="tx1"/>
+          </a:fontRef>
+        </p:style>
+      </p:cxnSp>
+      <p:sp>
+        <p:nvSpPr>
+          <p:cNvPr id="32" name="TextBox 31"/>
+          <p:cNvSpPr txBox="1"/>
+          <p:nvPr/>
+        </p:nvSpPr>
+        <p:spPr>
+          <a:xfrm>
+            <a:off x="8137585" y="5273623"/>
+            <a:ext cx="3286664" cy="830997"/>
+          </a:xfrm>
+          <a:prstGeom prst="rect">
+            <a:avLst/>
+          </a:prstGeom>
+          <a:noFill/>
+        </p:spPr>
+        <p:txBody>
+          <a:bodyPr wrap="square" rtlCol="0">
+            <a:spAutoFit/>
+          </a:bodyPr>
+          <a:lstStyle/>
+          <a:p>
+            <a:r>
+              <a:rPr lang="en-US" sz="1600" dirty="0" smtClean="0">
+                <a:solidFill>
+                  <a:srgbClr val="002060"/>
+                </a:solidFill>
+                <a:latin typeface="Nunito ExtraLight" pitchFamily="2" charset="0"/>
+              </a:rPr>
+              <a:t>The arrows indicate the flow of the phrase if it’s not found in the previous step </a:t>
+            </a:r>
+            <a:endParaRPr lang="en-US" sz="1600" dirty="0">
+              <a:solidFill>
+                <a:srgbClr val="002060"/>
+              </a:solidFill>
+              <a:latin typeface="Nunito ExtraLight" pitchFamily="2" charset="0"/>
+            </a:endParaRPr>
+          </a:p>
+        </p:txBody>
+      </p:sp>
+      <p:cxnSp>
+        <p:nvCxnSpPr>
+          <p:cNvPr id="33" name="Straight Arrow Connector 32"/>
+          <p:cNvCxnSpPr/>
+          <p:nvPr/>
+        </p:nvCxnSpPr>
+        <p:spPr>
+          <a:xfrm flipH="1">
+            <a:off x="7970808" y="5400135"/>
+            <a:ext cx="1" cy="577971"/>
+          </a:xfrm>
+          <a:prstGeom prst="straightConnector1">
+            <a:avLst/>
+          </a:prstGeom>
+          <a:ln>
+            <a:tailEnd type="triangle"/>
+          </a:ln>
+        </p:spPr>
+        <p:style>
+          <a:lnRef idx="1">
+            <a:schemeClr val="accent1"/>
+          </a:lnRef>
+          <a:fillRef idx="0">
+            <a:schemeClr val="accent1"/>
+          </a:fillRef>
+          <a:effectRef idx="0">
+            <a:schemeClr val="accent1"/>
+          </a:effectRef>
+          <a:fontRef idx="minor">
+            <a:schemeClr val="tx1"/>
+          </a:fontRef>
+        </p:style>
+      </p:cxnSp>
     </p:spTree>
     <p:extLst>
       <p:ext uri="{BB962C8B-B14F-4D97-AF65-F5344CB8AC3E}">
